--- a/gpu/EE817 Lecture 15 Introduction to OpenACC.pptx
+++ b/gpu/EE817 Lecture 15 Introduction to OpenACC.pptx
@@ -274,7 +274,7 @@
           <a:p>
             <a:fld id="{0958D145-3F61-4970-8B92-DDA610F3EB4F}" type="datetimeFigureOut">
               <a:rPr lang="ko-KR" altLang="en-US" smtClean="0"/>
-              <a:t>2017-05-30</a:t>
+              <a:t>2017-06-14</a:t>
             </a:fld>
             <a:endParaRPr lang="ko-KR" altLang="en-US"/>
           </a:p>
@@ -469,7 +469,7 @@
               <a:pPr>
                 <a:defRPr/>
               </a:pPr>
-              <a:t>2017-05-30</a:t>
+              <a:t>2017-06-14</a:t>
             </a:fld>
             <a:endParaRPr lang="ko-KR" altLang="en-US"/>
           </a:p>
@@ -1736,7 +1736,7 @@
               <a:pPr>
                 <a:defRPr/>
               </a:pPr>
-              <a:t>5/30/2017</a:t>
+              <a:t>6/14/2017</a:t>
             </a:fld>
             <a:endParaRPr lang="en-US" altLang="ko-KR"/>
           </a:p>
@@ -1938,7 +1938,7 @@
               <a:pPr>
                 <a:defRPr/>
               </a:pPr>
-              <a:t>5/30/2017</a:t>
+              <a:t>6/14/2017</a:t>
             </a:fld>
             <a:endParaRPr lang="en-US" altLang="ko-KR"/>
           </a:p>
@@ -2371,7 +2371,7 @@
               <a:pPr>
                 <a:defRPr/>
               </a:pPr>
-              <a:t>5/30/2017</a:t>
+              <a:t>6/14/2017</a:t>
             </a:fld>
             <a:endParaRPr lang="en-US" altLang="ko-KR"/>
           </a:p>
@@ -2568,7 +2568,7 @@
               <a:pPr>
                 <a:defRPr/>
               </a:pPr>
-              <a:t>5/30/2017</a:t>
+              <a:t>6/14/2017</a:t>
             </a:fld>
             <a:endParaRPr lang="en-US" altLang="ko-KR"/>
           </a:p>
@@ -3083,7 +3083,7 @@
               <a:pPr>
                 <a:defRPr/>
               </a:pPr>
-              <a:t>5/30/2017</a:t>
+              <a:t>6/14/2017</a:t>
             </a:fld>
             <a:endParaRPr lang="en-US" altLang="ko-KR"/>
           </a:p>
@@ -3398,7 +3398,7 @@
               <a:pPr>
                 <a:defRPr/>
               </a:pPr>
-              <a:t>5/30/2017</a:t>
+              <a:t>6/14/2017</a:t>
             </a:fld>
             <a:endParaRPr lang="en-US" altLang="ko-KR"/>
           </a:p>
@@ -3901,7 +3901,7 @@
               <a:pPr>
                 <a:defRPr/>
               </a:pPr>
-              <a:t>5/30/2017</a:t>
+              <a:t>6/14/2017</a:t>
             </a:fld>
             <a:endParaRPr lang="en-US" altLang="ko-KR"/>
           </a:p>
@@ -4289,7 +4289,7 @@
               <a:pPr>
                 <a:defRPr/>
               </a:pPr>
-              <a:t>5/30/2017</a:t>
+              <a:t>6/14/2017</a:t>
             </a:fld>
             <a:endParaRPr lang="en-US" altLang="ko-KR"/>
           </a:p>
@@ -4747,7 +4747,7 @@
               <a:pPr>
                 <a:defRPr/>
               </a:pPr>
-              <a:t>5/30/2017</a:t>
+              <a:t>6/14/2017</a:t>
             </a:fld>
             <a:endParaRPr lang="en-US" altLang="ko-KR"/>
           </a:p>
@@ -5045,7 +5045,7 @@
               <a:pPr>
                 <a:defRPr/>
               </a:pPr>
-              <a:t>5/30/2017</a:t>
+              <a:t>6/14/2017</a:t>
             </a:fld>
             <a:endParaRPr lang="en-US" altLang="ko-KR"/>
           </a:p>
@@ -5375,7 +5375,7 @@
               <a:pPr>
                 <a:defRPr/>
               </a:pPr>
-              <a:t>5/30/2017</a:t>
+              <a:t>6/14/2017</a:t>
             </a:fld>
             <a:endParaRPr lang="en-US" altLang="ko-KR"/>
           </a:p>
@@ -5893,7 +5893,7 @@
               <a:pPr>
                 <a:defRPr/>
               </a:pPr>
-              <a:t>5/30/2017</a:t>
+              <a:t>6/14/2017</a:t>
             </a:fld>
             <a:endParaRPr lang="en-US" altLang="ko-KR"/>
           </a:p>
@@ -6946,25 +6946,6 @@
           <a:chExt cx="0" cy="0"/>
         </a:xfrm>
       </p:grpSpPr>
-      <p:sp>
-        <p:nvSpPr>
-          <p:cNvPr id="2" name="제목 1"/>
-          <p:cNvSpPr>
-            <a:spLocks noGrp="1"/>
-          </p:cNvSpPr>
-          <p:nvPr>
-            <p:ph type="title"/>
-          </p:nvPr>
-        </p:nvSpPr>
-        <p:spPr/>
-        <p:txBody>
-          <a:bodyPr/>
-          <a:lstStyle/>
-          <a:p>
-            <a:endParaRPr lang="ko-KR" altLang="en-US"/>
-          </a:p>
-        </p:txBody>
-      </p:sp>
       <p:pic>
         <p:nvPicPr>
           <p:cNvPr id="7170" name="Picture 2"/>
@@ -9380,7 +9361,7 @@
         <p:spPr>
           <a:xfrm>
             <a:off x="395536" y="476672"/>
-            <a:ext cx="8229600" cy="4525963"/>
+            <a:ext cx="8229600" cy="6381328"/>
           </a:xfrm>
         </p:spPr>
         <p:txBody>
@@ -11270,7 +11251,39 @@
             </a:r>
             <a:r>
               <a:rPr lang="en-US" altLang="ko-KR" sz="2000" dirty="0"/>
-              <a:t>(list)</a:t>
+              <a:t>(list) : copies</a:t>
+            </a:r>
+            <a:r>
+              <a:rPr lang="ko-KR" altLang="en-US" sz="2000" dirty="0"/>
+              <a:t> </a:t>
+            </a:r>
+            <a:r>
+              <a:rPr lang="en-US" altLang="ko-KR" sz="2000" dirty="0"/>
+              <a:t>from</a:t>
+            </a:r>
+            <a:r>
+              <a:rPr lang="ko-KR" altLang="en-US" sz="2000" dirty="0"/>
+              <a:t> </a:t>
+            </a:r>
+            <a:r>
+              <a:rPr lang="en-US" altLang="ko-KR" sz="2000" dirty="0"/>
+              <a:t>host</a:t>
+            </a:r>
+            <a:r>
+              <a:rPr lang="ko-KR" altLang="en-US" sz="2000" dirty="0"/>
+              <a:t> </a:t>
+            </a:r>
+            <a:r>
+              <a:rPr lang="en-US" altLang="ko-KR" sz="2000" dirty="0"/>
+              <a:t>to</a:t>
+            </a:r>
+            <a:r>
+              <a:rPr lang="ko-KR" altLang="en-US" sz="2000" dirty="0"/>
+              <a:t> </a:t>
+            </a:r>
+            <a:r>
+              <a:rPr lang="en-US" altLang="ko-KR" sz="2000" dirty="0"/>
+              <a:t>device</a:t>
             </a:r>
           </a:p>
           <a:p>
@@ -11281,14 +11294,14 @@
             </a:r>
             <a:r>
               <a:rPr lang="en-US" altLang="ko-KR" sz="2000" dirty="0"/>
-              <a:t>(list)</a:t>
+              <a:t>(list) : copies from device to host</a:t>
             </a:r>
           </a:p>
           <a:p>
             <a:pPr lvl="1"/>
             <a:r>
               <a:rPr lang="en-US" altLang="ko-KR" sz="2000" dirty="0"/>
-              <a:t>copy(list); </a:t>
+              <a:t>copy(list); : copies from host to device and back to host</a:t>
             </a:r>
             <a:r>
               <a:rPr lang="en-US" altLang="ko-KR" sz="2000" b="1" dirty="0"/>
